--- a/卒業論文/2014/若月純/卒論中間審査ポスター＿若月.pptx
+++ b/卒業論文/2014/若月純/卒論中間審査ポスター＿若月.pptx
@@ -208,7 +208,7 @@
           <a:p>
             <a:fld id="{210935E7-A51F-4FE3-8E46-E43B536CCFB8}" type="datetimeFigureOut">
               <a:rPr kumimoji="1" lang="ja-JP" altLang="en-US" smtClean="0"/>
-              <a:t>15/10/06</a:t>
+              <a:t>15/10/07</a:t>
             </a:fld>
             <a:endParaRPr kumimoji="1" lang="ja-JP" altLang="en-US"/>
           </a:p>
@@ -697,7 +697,7 @@
                 </a:solidFill>
               </a:rPr>
               <a:pPr/>
-              <a:t>15/10/06</a:t>
+              <a:t>15/10/07</a:t>
             </a:fld>
             <a:endParaRPr lang="ja-JP" altLang="en-US">
               <a:solidFill>
@@ -937,7 +937,7 @@
                 </a:solidFill>
               </a:rPr>
               <a:pPr defTabSz="2951897"/>
-              <a:t>15/10/06</a:t>
+              <a:t>15/10/07</a:t>
             </a:fld>
             <a:endParaRPr lang="ja-JP" altLang="en-US">
               <a:solidFill>
@@ -1189,7 +1189,7 @@
                 </a:solidFill>
               </a:rPr>
               <a:pPr defTabSz="2951897"/>
-              <a:t>15/10/06</a:t>
+              <a:t>15/10/07</a:t>
             </a:fld>
             <a:endParaRPr lang="ja-JP" altLang="en-US">
               <a:solidFill>
@@ -1430,7 +1430,7 @@
                 </a:solidFill>
               </a:rPr>
               <a:pPr/>
-              <a:t>15/10/06</a:t>
+              <a:t>15/10/07</a:t>
             </a:fld>
             <a:endParaRPr lang="ja-JP" altLang="en-US">
               <a:solidFill>
@@ -1713,7 +1713,7 @@
                 </a:solidFill>
               </a:rPr>
               <a:pPr/>
-              <a:t>15/10/06</a:t>
+              <a:t>15/10/07</a:t>
             </a:fld>
             <a:endParaRPr lang="ja-JP" altLang="en-US">
               <a:solidFill>
@@ -2102,7 +2102,7 @@
                 </a:solidFill>
               </a:rPr>
               <a:pPr/>
-              <a:t>15/10/06</a:t>
+              <a:t>15/10/07</a:t>
             </a:fld>
             <a:endParaRPr lang="ja-JP" altLang="en-US">
               <a:solidFill>
@@ -2625,7 +2625,7 @@
                 </a:solidFill>
               </a:rPr>
               <a:pPr/>
-              <a:t>15/10/06</a:t>
+              <a:t>15/10/07</a:t>
             </a:fld>
             <a:endParaRPr lang="ja-JP" altLang="en-US">
               <a:solidFill>
@@ -2780,7 +2780,7 @@
                 </a:solidFill>
               </a:rPr>
               <a:pPr/>
-              <a:t>15/10/06</a:t>
+              <a:t>15/10/07</a:t>
             </a:fld>
             <a:endParaRPr lang="ja-JP" altLang="en-US">
               <a:solidFill>
@@ -2912,7 +2912,7 @@
                 </a:solidFill>
               </a:rPr>
               <a:pPr/>
-              <a:t>15/10/06</a:t>
+              <a:t>15/10/07</a:t>
             </a:fld>
             <a:endParaRPr lang="ja-JP" altLang="en-US">
               <a:solidFill>
@@ -3259,7 +3259,7 @@
                 </a:solidFill>
               </a:rPr>
               <a:pPr defTabSz="2951897"/>
-              <a:t>15/10/06</a:t>
+              <a:t>15/10/07</a:t>
             </a:fld>
             <a:endParaRPr lang="ja-JP" altLang="en-US">
               <a:solidFill>
@@ -3551,7 +3551,7 @@
                 </a:solidFill>
               </a:rPr>
               <a:pPr/>
-              <a:t>15/10/06</a:t>
+              <a:t>15/10/07</a:t>
             </a:fld>
             <a:endParaRPr lang="ja-JP" altLang="en-US">
               <a:solidFill>
@@ -3834,7 +3834,7 @@
                 </a:solidFill>
               </a:rPr>
               <a:pPr defTabSz="2951897"/>
-              <a:t>15/10/06</a:t>
+              <a:t>15/10/07</a:t>
             </a:fld>
             <a:endParaRPr lang="ja-JP" altLang="en-US">
               <a:solidFill>
@@ -4248,8 +4248,8 @@
         </p:nvSpPr>
         <p:spPr>
           <a:xfrm>
-            <a:off x="12997656" y="4914851"/>
-            <a:ext cx="7632848" cy="7478970"/>
+            <a:off x="540272" y="14347899"/>
+            <a:ext cx="7632848" cy="11633951"/>
           </a:xfrm>
           <a:prstGeom prst="rect">
             <a:avLst/>
@@ -4274,6 +4274,30 @@
             <a:endParaRPr lang="en-US" altLang="ja-JP" sz="4800" dirty="0" smtClean="0"/>
           </a:p>
           <a:p>
+            <a:endParaRPr lang="en-US" altLang="ja-JP" sz="4800" dirty="0"/>
+          </a:p>
+          <a:p>
+            <a:endParaRPr lang="en-US" altLang="ja-JP" sz="2000" dirty="0" smtClean="0"/>
+          </a:p>
+          <a:p>
+            <a:endParaRPr lang="en-US" altLang="ja-JP" sz="2000" dirty="0"/>
+          </a:p>
+          <a:p>
+            <a:endParaRPr lang="en-US" altLang="ja-JP" sz="2000" dirty="0" smtClean="0"/>
+          </a:p>
+          <a:p>
+            <a:endParaRPr lang="en-US" altLang="ja-JP" sz="1800" dirty="0"/>
+          </a:p>
+          <a:p>
+            <a:endParaRPr lang="en-US" altLang="ja-JP" sz="4800" dirty="0" smtClean="0"/>
+          </a:p>
+          <a:p>
+            <a:endParaRPr lang="en-US" altLang="ja-JP" sz="4800" dirty="0"/>
+          </a:p>
+          <a:p>
+            <a:endParaRPr lang="en-US" altLang="ja-JP" sz="4800" dirty="0" smtClean="0"/>
+          </a:p>
+          <a:p>
             <a:endParaRPr lang="en-US" altLang="ja-JP" sz="4800" dirty="0" smtClean="0"/>
           </a:p>
           <a:p>
@@ -4392,88 +4416,6 @@
           </a:p>
           <a:p>
             <a:endParaRPr kumimoji="1" lang="ja-JP" altLang="en-US" sz="11500" dirty="0"/>
-          </a:p>
-        </p:txBody>
-      </p:sp>
-      <p:sp>
-        <p:nvSpPr>
-          <p:cNvPr id="22" name="テキスト ボックス 21"/>
-          <p:cNvSpPr txBox="1"/>
-          <p:nvPr/>
-        </p:nvSpPr>
-        <p:spPr>
-          <a:xfrm>
-            <a:off x="2772520" y="13339787"/>
-            <a:ext cx="12265460" cy="1661993"/>
-          </a:xfrm>
-          <a:prstGeom prst="rect">
-            <a:avLst/>
-          </a:prstGeom>
-          <a:ln>
-            <a:solidFill>
-              <a:schemeClr val="bg2"/>
-            </a:solidFill>
-          </a:ln>
-        </p:spPr>
-        <p:style>
-          <a:lnRef idx="2">
-            <a:schemeClr val="dk1"/>
-          </a:lnRef>
-          <a:fillRef idx="1">
-            <a:schemeClr val="lt1"/>
-          </a:fillRef>
-          <a:effectRef idx="0">
-            <a:schemeClr val="dk1"/>
-          </a:effectRef>
-          <a:fontRef idx="minor">
-            <a:schemeClr val="dk1"/>
-          </a:fontRef>
-        </p:style>
-        <p:txBody>
-          <a:bodyPr wrap="square" rtlCol="0">
-            <a:spAutoFit/>
-          </a:bodyPr>
-          <a:lstStyle/>
-          <a:p>
-            <a:r>
-              <a:rPr kumimoji="1" lang="ja-JP" altLang="en-US" b="1" dirty="0" smtClean="0">
-                <a:latin typeface="+mj-ea"/>
-                <a:ea typeface="+mj-ea"/>
-              </a:rPr>
-              <a:t>目的</a:t>
-            </a:r>
-            <a:endParaRPr lang="en-US" altLang="ja-JP" sz="4000" b="1" dirty="0" smtClean="0">
-              <a:latin typeface="+mj-ea"/>
-            </a:endParaRPr>
-          </a:p>
-          <a:p>
-            <a:r>
-              <a:rPr lang="ja-JP" altLang="en-US" sz="4000" b="1" dirty="0" smtClean="0">
-                <a:latin typeface="+mj-ea"/>
-              </a:rPr>
-              <a:t>現在の選択基準：高い</a:t>
-            </a:r>
-            <a:r>
-              <a:rPr lang="ja-JP" altLang="en-US" sz="4000" b="1" dirty="0">
-                <a:latin typeface="+mj-ea"/>
-              </a:rPr>
-              <a:t>，大規模，多い</a:t>
-            </a:r>
-            <a:r>
-              <a:rPr lang="ja-JP" altLang="en-US" sz="3600" dirty="0">
-                <a:latin typeface="+mj-ea"/>
-              </a:rPr>
-              <a:t>等</a:t>
-            </a:r>
-            <a:r>
-              <a:rPr lang="ja-JP" altLang="en-US" sz="4400" dirty="0" smtClean="0">
-                <a:latin typeface="+mj-ea"/>
-              </a:rPr>
-              <a:t>定性的である</a:t>
-            </a:r>
-            <a:endParaRPr lang="en-US" altLang="ja-JP" b="1" dirty="0">
-              <a:latin typeface="+mj-ea"/>
-            </a:endParaRPr>
           </a:p>
         </p:txBody>
       </p:sp>
@@ -4549,12 +4491,16 @@
           </a:p>
           <a:p>
             <a:r>
-              <a:rPr kumimoji="1" lang="en-US" altLang="ja-JP" sz="4800" dirty="0" smtClean="0"/>
+              <a:rPr lang="en-US" altLang="ja-JP" sz="4800" dirty="0" smtClean="0"/>
               <a:t>2</a:t>
             </a:r>
             <a:r>
+              <a:rPr kumimoji="1" lang="ja-JP" altLang="en-US" sz="4800" smtClean="0"/>
+              <a:t>種類</a:t>
+            </a:r>
+            <a:r>
               <a:rPr kumimoji="1" lang="ja-JP" altLang="en-US" sz="4800" dirty="0" smtClean="0"/>
-              <a:t>種類の選択基準を見つけた</a:t>
+              <a:t>の選択基準を見つけた</a:t>
             </a:r>
             <a:r>
               <a:rPr lang="ja-JP" altLang="en-US" sz="3600" dirty="0" smtClean="0">
@@ -4663,8 +4609,8 @@
         </p:nvSpPr>
         <p:spPr>
           <a:xfrm>
-            <a:off x="540272" y="3042643"/>
-            <a:ext cx="20090232" cy="1600438"/>
+            <a:off x="540272" y="3474691"/>
+            <a:ext cx="12313368" cy="2215991"/>
           </a:xfrm>
           <a:prstGeom prst="rect">
             <a:avLst/>
@@ -4730,7 +4676,18 @@
               <a:rPr lang="ja-JP" altLang="en-US" sz="4000" b="1" dirty="0" smtClean="0">
                 <a:latin typeface="+mj-ea"/>
               </a:rPr>
-              <a:t>種類あるため，選択基準が必要である</a:t>
+              <a:t>種類あるため，</a:t>
+            </a:r>
+            <a:endParaRPr lang="en-US" altLang="ja-JP" sz="4000" b="1" dirty="0" smtClean="0">
+              <a:latin typeface="+mj-ea"/>
+            </a:endParaRPr>
+          </a:p>
+          <a:p>
+            <a:r>
+              <a:rPr lang="ja-JP" altLang="en-US" sz="4000" b="1" dirty="0" smtClean="0">
+                <a:latin typeface="+mj-ea"/>
+              </a:rPr>
+              <a:t>選択基準が必要である</a:t>
             </a:r>
             <a:endParaRPr lang="en-US" altLang="ja-JP" b="1" dirty="0">
               <a:latin typeface="+mj-ea"/>
@@ -4754,8 +4711,8 @@
         </p:blipFill>
         <p:spPr>
           <a:xfrm>
-            <a:off x="540272" y="12547699"/>
-            <a:ext cx="20116800" cy="13512800"/>
+            <a:off x="8461152" y="14347899"/>
+            <a:ext cx="12195920" cy="11712600"/>
           </a:xfrm>
           <a:prstGeom prst="rect">
             <a:avLst/>
@@ -4770,7 +4727,7 @@
         </p:nvSpPr>
         <p:spPr>
           <a:xfrm>
-            <a:off x="13285688" y="5922963"/>
+            <a:off x="828304" y="16004083"/>
             <a:ext cx="7200800" cy="2677656"/>
           </a:xfrm>
           <a:prstGeom prst="rect">
@@ -4838,8 +4795,8 @@
         </p:nvSpPr>
         <p:spPr>
           <a:xfrm>
-            <a:off x="13285688" y="9739387"/>
-            <a:ext cx="7200800" cy="2062103"/>
+            <a:off x="756296" y="22124763"/>
+            <a:ext cx="7200800" cy="2677656"/>
           </a:xfrm>
           <a:prstGeom prst="rect">
             <a:avLst/>
@@ -4884,7 +4841,7 @@
               <a:rPr lang="ja-JP" altLang="en-US" sz="4000" dirty="0" smtClean="0"/>
               <a:t>年</a:t>
             </a:r>
-            <a:endParaRPr kumimoji="1" lang="en-US" altLang="ja-JP" sz="4000" dirty="0" smtClean="0"/>
+            <a:endParaRPr lang="en-US" altLang="ja-JP" sz="4000" dirty="0" smtClean="0"/>
           </a:p>
           <a:p>
             <a:pPr marL="685800" indent="-685800">
@@ -4892,6 +4849,21 @@
               <a:buChar char="•"/>
             </a:pPr>
             <a:r>
+              <a:rPr lang="en-US" altLang="ja-JP" sz="4000" dirty="0"/>
+              <a:t>1</a:t>
+            </a:r>
+            <a:r>
+              <a:rPr kumimoji="1" lang="ja-JP" altLang="en-US" sz="4000" dirty="0" smtClean="0"/>
+              <a:t>年継続するプロジェクト</a:t>
+            </a:r>
+            <a:endParaRPr kumimoji="1" lang="en-US" altLang="ja-JP" sz="4000" dirty="0" smtClean="0"/>
+          </a:p>
+          <a:p>
+            <a:pPr marL="685800" indent="-685800">
+              <a:buFont typeface="Arial"/>
+              <a:buChar char="•"/>
+            </a:pPr>
+            <a:r>
               <a:rPr kumimoji="1" lang="ja-JP" altLang="en-US" sz="4000" dirty="0" smtClean="0"/>
               <a:t>メンバが</a:t>
             </a:r>
@@ -4915,15 +4887,13 @@
         </p:nvSpPr>
         <p:spPr>
           <a:xfrm rot="5400000">
-            <a:off x="15805968" y="8299227"/>
-            <a:ext cx="1620180" cy="2340260"/>
+            <a:off x="3456596" y="18488359"/>
+            <a:ext cx="1872208" cy="3528392"/>
           </a:xfrm>
           <a:prstGeom prst="rightArrow">
             <a:avLst/>
           </a:prstGeom>
-          <a:solidFill>
-            <a:schemeClr val="tx1"/>
-          </a:solidFill>
+          <a:noFill/>
           <a:ln>
             <a:solidFill>
               <a:schemeClr val="tx1"/>
@@ -4961,8 +4931,8 @@
         </p:nvSpPr>
         <p:spPr>
           <a:xfrm>
-            <a:off x="540272" y="4914851"/>
-            <a:ext cx="12265459" cy="7232749"/>
+            <a:off x="540272" y="6427019"/>
+            <a:ext cx="12313368" cy="7232749"/>
           </a:xfrm>
           <a:prstGeom prst="rect">
             <a:avLst/>
@@ -5011,28 +4981,7 @@
                 <a:latin typeface="ＭＳ Ｐゴシック (本文)"/>
                 <a:cs typeface="ＭＳ Ｐゴシック (本文)"/>
               </a:rPr>
-              <a:t>各開発フローに発生しうる</a:t>
-            </a:r>
-            <a:r>
-              <a:rPr lang="ja-JP" altLang="en-US" sz="4400" dirty="0" smtClean="0">
-                <a:latin typeface="ＭＳ Ｐゴシック (本文)"/>
-                <a:cs typeface="ＭＳ Ｐゴシック (本文)"/>
-              </a:rPr>
-              <a:t>リスク</a:t>
-            </a:r>
-            <a:r>
-              <a:rPr lang="ja-JP" altLang="en-US" sz="4400" dirty="0" smtClean="0">
-                <a:latin typeface="ＭＳ Ｐゴシック (本文)"/>
-                <a:cs typeface="ＭＳ Ｐゴシック (本文)"/>
-              </a:rPr>
-              <a:t>を観点に</a:t>
-            </a:r>
-            <a:r>
-              <a:rPr lang="ja-JP" altLang="en-US" sz="4400" dirty="0" smtClean="0">
-                <a:latin typeface="ＭＳ Ｐゴシック (本文)"/>
-                <a:cs typeface="ＭＳ Ｐゴシック (本文)"/>
-              </a:rPr>
-              <a:t>分類した</a:t>
+              <a:t>各開発フローに発生しうるリスクを観点に分類した</a:t>
             </a:r>
             <a:endParaRPr kumimoji="1" lang="en-US" altLang="ja-JP" sz="4400" dirty="0">
               <a:latin typeface="+mj-ea"/>
@@ -5086,13 +5035,13 @@
           <p:nvPr>
             <p:extLst>
               <p:ext uri="{D42A27DB-BD31-4B8C-83A1-F6EECF244321}">
-                <p14:modId xmlns:p14="http://schemas.microsoft.com/office/powerpoint/2010/main" val="3169439406"/>
+                <p14:modId xmlns:p14="http://schemas.microsoft.com/office/powerpoint/2010/main" val="4073725055"/>
               </p:ext>
             </p:extLst>
           </p:nvPr>
         </p:nvGraphicFramePr>
         <p:xfrm>
-          <a:off x="612280" y="7867179"/>
+          <a:off x="612280" y="9379347"/>
           <a:ext cx="12094978" cy="3509880"/>
         </p:xfrm>
         <a:graphic>
@@ -5535,7 +5484,7 @@
         </p:nvSpPr>
         <p:spPr>
           <a:xfrm>
-            <a:off x="3564608" y="11539587"/>
+            <a:off x="3564608" y="13051755"/>
             <a:ext cx="6624736" cy="461665"/>
           </a:xfrm>
           <a:prstGeom prst="rect">
@@ -5573,7 +5522,7 @@
         </p:nvSpPr>
         <p:spPr>
           <a:xfrm>
-            <a:off x="3420592" y="7003083"/>
+            <a:off x="3420592" y="8515251"/>
             <a:ext cx="7019341" cy="646331"/>
           </a:xfrm>
           <a:prstGeom prst="rect">
@@ -5603,6 +5552,254 @@
           </a:p>
         </p:txBody>
       </p:sp>
+      <p:sp>
+        <p:nvSpPr>
+          <p:cNvPr id="16" name="正方形/長方形 15"/>
+          <p:cNvSpPr/>
+          <p:nvPr/>
+        </p:nvSpPr>
+        <p:spPr>
+          <a:xfrm>
+            <a:off x="14928149" y="4781463"/>
+            <a:ext cx="5486331" cy="7707041"/>
+          </a:xfrm>
+          <a:prstGeom prst="rect">
+            <a:avLst/>
+          </a:prstGeom>
+          <a:solidFill>
+            <a:schemeClr val="bg1"/>
+          </a:solidFill>
+          <a:ln>
+            <a:solidFill>
+              <a:schemeClr val="bg1"/>
+            </a:solidFill>
+          </a:ln>
+        </p:spPr>
+        <p:style>
+          <a:lnRef idx="2">
+            <a:schemeClr val="accent1">
+              <a:shade val="50000"/>
+            </a:schemeClr>
+          </a:lnRef>
+          <a:fillRef idx="1002">
+            <a:schemeClr val="lt2"/>
+          </a:fillRef>
+          <a:effectRef idx="0">
+            <a:schemeClr val="accent1"/>
+          </a:effectRef>
+          <a:fontRef idx="minor">
+            <a:schemeClr val="lt1"/>
+          </a:fontRef>
+        </p:style>
+        <p:txBody>
+          <a:bodyPr rtlCol="0" anchor="ctr"/>
+          <a:lstStyle/>
+          <a:p>
+            <a:pPr algn="ctr"/>
+            <a:endParaRPr kumimoji="1" lang="ja-JP" altLang="en-US"/>
+          </a:p>
+        </p:txBody>
+      </p:sp>
+      <p:sp>
+        <p:nvSpPr>
+          <p:cNvPr id="17" name="テキスト ボックス 16"/>
+          <p:cNvSpPr txBox="1"/>
+          <p:nvPr/>
+        </p:nvSpPr>
+        <p:spPr>
+          <a:xfrm>
+            <a:off x="13717736" y="3474691"/>
+            <a:ext cx="7273032" cy="10172013"/>
+          </a:xfrm>
+          <a:prstGeom prst="rect">
+            <a:avLst/>
+          </a:prstGeom>
+          <a:ln>
+            <a:solidFill>
+              <a:schemeClr val="bg2"/>
+            </a:solidFill>
+          </a:ln>
+        </p:spPr>
+        <p:style>
+          <a:lnRef idx="2">
+            <a:schemeClr val="dk1"/>
+          </a:lnRef>
+          <a:fillRef idx="1">
+            <a:schemeClr val="lt1"/>
+          </a:fillRef>
+          <a:effectRef idx="0">
+            <a:schemeClr val="dk1"/>
+          </a:effectRef>
+          <a:fontRef idx="minor">
+            <a:schemeClr val="dk1"/>
+          </a:fontRef>
+        </p:style>
+        <p:txBody>
+          <a:bodyPr wrap="square" rtlCol="0">
+            <a:spAutoFit/>
+          </a:bodyPr>
+          <a:lstStyle/>
+          <a:p>
+            <a:r>
+              <a:rPr kumimoji="1" lang="ja-JP" altLang="en-US" b="1" dirty="0" smtClean="0">
+                <a:latin typeface="+mj-ea"/>
+                <a:ea typeface="+mj-ea"/>
+              </a:rPr>
+              <a:t>フロー</a:t>
+            </a:r>
+            <a:r>
+              <a:rPr lang="ja-JP" altLang="en-US" sz="4000" b="1" dirty="0" smtClean="0">
+                <a:latin typeface="+mj-ea"/>
+                <a:ea typeface="+mj-ea"/>
+              </a:rPr>
+              <a:t>とは</a:t>
+            </a:r>
+            <a:r>
+              <a:rPr lang="ja-JP" altLang="en-US" b="1" dirty="0" smtClean="0">
+                <a:latin typeface="+mj-ea"/>
+                <a:ea typeface="+mj-ea"/>
+              </a:rPr>
+              <a:t>手順，ルール</a:t>
+            </a:r>
+            <a:endParaRPr lang="en-US" altLang="ja-JP" b="1" dirty="0" smtClean="0">
+              <a:latin typeface="+mj-ea"/>
+              <a:ea typeface="+mj-ea"/>
+            </a:endParaRPr>
+          </a:p>
+          <a:p>
+            <a:endParaRPr lang="en-US" altLang="ja-JP" sz="1600" b="1" dirty="0" smtClean="0"/>
+          </a:p>
+          <a:p>
+            <a:r>
+              <a:rPr lang="ja-JP" altLang="en-US" sz="4800" b="1" dirty="0"/>
+              <a:t>　</a:t>
+            </a:r>
+            <a:r>
+              <a:rPr lang="ja-JP" altLang="en-US" sz="4800" b="1" dirty="0" smtClean="0"/>
+              <a:t>例，</a:t>
+            </a:r>
+            <a:r>
+              <a:rPr lang="ja-JP" altLang="en-US" sz="4400" b="1" dirty="0" smtClean="0"/>
+              <a:t>着替えフロー</a:t>
+            </a:r>
+            <a:endParaRPr lang="en-US" altLang="ja-JP" sz="3200" b="1" dirty="0" smtClean="0"/>
+          </a:p>
+          <a:p>
+            <a:endParaRPr lang="en-US" altLang="ja-JP" sz="700" b="1" dirty="0"/>
+          </a:p>
+          <a:p>
+            <a:endParaRPr lang="en-US" altLang="ja-JP" sz="700" b="1" dirty="0" smtClean="0"/>
+          </a:p>
+          <a:p>
+            <a:endParaRPr lang="en-US" altLang="ja-JP" sz="700" b="1" dirty="0"/>
+          </a:p>
+          <a:p>
+            <a:endParaRPr lang="en-US" altLang="ja-JP" sz="700" b="1" dirty="0" smtClean="0"/>
+          </a:p>
+          <a:p>
+            <a:endParaRPr lang="en-US" altLang="ja-JP" sz="700" b="1" dirty="0"/>
+          </a:p>
+          <a:p>
+            <a:endParaRPr lang="en-US" altLang="ja-JP" sz="700" b="1" dirty="0" smtClean="0"/>
+          </a:p>
+          <a:p>
+            <a:endParaRPr lang="en-US" altLang="ja-JP" sz="700" b="1" dirty="0" smtClean="0"/>
+          </a:p>
+          <a:p>
+            <a:endParaRPr lang="en-US" altLang="ja-JP" sz="2000" b="1" dirty="0"/>
+          </a:p>
+          <a:p>
+            <a:endParaRPr lang="en-US" altLang="ja-JP" sz="4000" b="1" dirty="0"/>
+          </a:p>
+          <a:p>
+            <a:endParaRPr kumimoji="1" lang="en-US" altLang="ja-JP" sz="4000" b="1" dirty="0" smtClean="0"/>
+          </a:p>
+          <a:p>
+            <a:endParaRPr lang="en-US" altLang="ja-JP" sz="4000" b="1" dirty="0"/>
+          </a:p>
+          <a:p>
+            <a:endParaRPr kumimoji="1" lang="en-US" altLang="ja-JP" sz="4000" b="1" dirty="0" smtClean="0"/>
+          </a:p>
+          <a:p>
+            <a:endParaRPr lang="en-US" altLang="ja-JP" sz="2800" b="1" dirty="0"/>
+          </a:p>
+          <a:p>
+            <a:endParaRPr lang="en-US" altLang="ja-JP" sz="2800" b="1" dirty="0" smtClean="0"/>
+          </a:p>
+          <a:p>
+            <a:endParaRPr lang="en-US" altLang="ja-JP" sz="2800" b="1" dirty="0"/>
+          </a:p>
+          <a:p>
+            <a:endParaRPr lang="en-US" altLang="ja-JP" sz="2800" b="1" dirty="0" smtClean="0"/>
+          </a:p>
+          <a:p>
+            <a:endParaRPr lang="en-US" altLang="ja-JP" sz="2800" b="1" dirty="0"/>
+          </a:p>
+          <a:p>
+            <a:endParaRPr lang="en-US" altLang="ja-JP" sz="2800" b="1" dirty="0" smtClean="0"/>
+          </a:p>
+          <a:p>
+            <a:endParaRPr lang="en-US" altLang="ja-JP" sz="2800" b="1" dirty="0"/>
+          </a:p>
+          <a:p>
+            <a:endParaRPr lang="en-US" altLang="ja-JP" sz="2800" b="1" dirty="0" smtClean="0"/>
+          </a:p>
+          <a:p>
+            <a:endParaRPr kumimoji="1" lang="en-US" altLang="ja-JP" sz="4000" b="1" dirty="0" smtClean="0"/>
+          </a:p>
+          <a:p>
+            <a:endParaRPr lang="en-US" altLang="ja-JP" sz="4000" b="1" dirty="0"/>
+          </a:p>
+        </p:txBody>
+      </p:sp>
+      <p:pic>
+        <p:nvPicPr>
+          <p:cNvPr id="18" name="図 17"/>
+          <p:cNvPicPr>
+            <a:picLocks noChangeAspect="1"/>
+          </p:cNvPicPr>
+          <p:nvPr/>
+        </p:nvPicPr>
+        <p:blipFill>
+          <a:blip r:embed="rId3"/>
+          <a:stretch>
+            <a:fillRect/>
+          </a:stretch>
+        </p:blipFill>
+        <p:spPr>
+          <a:xfrm>
+            <a:off x="14005768" y="5922963"/>
+            <a:ext cx="2535279" cy="6725292"/>
+          </a:xfrm>
+          <a:prstGeom prst="rect">
+            <a:avLst/>
+          </a:prstGeom>
+        </p:spPr>
+      </p:pic>
+      <p:pic>
+        <p:nvPicPr>
+          <p:cNvPr id="19" name="図 18"/>
+          <p:cNvPicPr>
+            <a:picLocks noChangeAspect="1"/>
+          </p:cNvPicPr>
+          <p:nvPr/>
+        </p:nvPicPr>
+        <p:blipFill>
+          <a:blip r:embed="rId4"/>
+          <a:stretch>
+            <a:fillRect/>
+          </a:stretch>
+        </p:blipFill>
+        <p:spPr>
+          <a:xfrm>
+            <a:off x="17390144" y="5994971"/>
+            <a:ext cx="2535278" cy="6725292"/>
+          </a:xfrm>
+          <a:prstGeom prst="rect">
+            <a:avLst/>
+          </a:prstGeom>
+        </p:spPr>
+      </p:pic>
     </p:spTree>
     <p:extLst>
       <p:ext uri="{BB962C8B-B14F-4D97-AF65-F5344CB8AC3E}">

--- a/卒業論文/2014/若月純/卒論中間審査ポスター＿若月.pptx
+++ b/卒業論文/2014/若月純/卒論中間審査ポスター＿若月.pptx
@@ -109,7 +109,7 @@
   </p:defaultTextStyle>
   <p:extLst>
     <p:ext uri="{EFAFB233-063F-42B5-8137-9DF3F51BA10A}">
-      <p15:sldGuideLst xmlns:p15="http://schemas.microsoft.com/office/powerpoint/2012/main" xmlns="">
+      <p15:sldGuideLst xmlns="" xmlns:p15="http://schemas.microsoft.com/office/powerpoint/2012/main">
         <p15:guide id="1" orient="horz" pos="9537">
           <p15:clr>
             <a:srgbClr val="A4A3A4"/>
@@ -4249,7 +4249,7 @@
         <p:spPr>
           <a:xfrm>
             <a:off x="540272" y="14347899"/>
-            <a:ext cx="7632848" cy="11633951"/>
+            <a:ext cx="7632848" cy="11700000"/>
           </a:xfrm>
           <a:prstGeom prst="rect">
             <a:avLst/>
@@ -4983,9 +4983,9 @@
               </a:rPr>
               <a:t>各開発フローに発生しうるリスクを観点に分類した</a:t>
             </a:r>
-            <a:endParaRPr kumimoji="1" lang="en-US" altLang="ja-JP" sz="4400" dirty="0">
-              <a:latin typeface="+mj-ea"/>
-              <a:ea typeface="+mj-ea"/>
+            <a:endParaRPr lang="en-US" altLang="ja-JP" sz="4400" dirty="0" smtClean="0">
+              <a:latin typeface="ＭＳ Ｐゴシック (本文)"/>
+              <a:cs typeface="ＭＳ Ｐゴシック (本文)"/>
             </a:endParaRPr>
           </a:p>
           <a:p>
@@ -5500,7 +5500,7 @@
           <a:p>
             <a:r>
               <a:rPr lang="ja-JP" altLang="en-US" sz="2400" dirty="0" smtClean="0"/>
-              <a:t>出典：小野寺航己卒業論文（ </a:t>
+              <a:t>出典：小野寺航己卒業論文（</a:t>
             </a:r>
             <a:r>
               <a:rPr lang="en-US" altLang="ja-JP" sz="2400" dirty="0" smtClean="0"/>
@@ -5648,14 +5648,28 @@
               <a:t>フロー</a:t>
             </a:r>
             <a:r>
+              <a:rPr lang="en-US" altLang="ja-JP" b="1" dirty="0">
+                <a:latin typeface="+mj-ea"/>
+                <a:ea typeface="+mj-ea"/>
+              </a:rPr>
+              <a:t> </a:t>
+            </a:r>
+            <a:r>
               <a:rPr lang="ja-JP" altLang="en-US" sz="4000" b="1" dirty="0" smtClean="0">
                 <a:latin typeface="+mj-ea"/>
                 <a:ea typeface="+mj-ea"/>
               </a:rPr>
-              <a:t>とは</a:t>
-            </a:r>
-            <a:r>
-              <a:rPr lang="ja-JP" altLang="en-US" b="1" dirty="0" smtClean="0">
+              <a:t>＝</a:t>
+            </a:r>
+            <a:r>
+              <a:rPr lang="en-US" altLang="ja-JP" sz="4000" b="1" dirty="0" smtClean="0">
+                <a:latin typeface="+mj-ea"/>
+                <a:ea typeface="+mj-ea"/>
+              </a:rPr>
+              <a:t> </a:t>
+            </a:r>
+            <a:r>
+              <a:rPr lang="ja-JP" altLang="en-US" b="1" smtClean="0">
                 <a:latin typeface="+mj-ea"/>
                 <a:ea typeface="+mj-ea"/>
               </a:rPr>
@@ -6395,7 +6409,7 @@
   <a:extraClrSchemeLst/>
   <a:extLst>
     <a:ext uri="{05A4C25C-085E-4340-85A3-A5531E510DB2}">
-      <thm15:themeFamily xmlns:thm15="http://schemas.microsoft.com/office/thememl/2012/main" xmlns="" name="Office Theme" id="{62F939B6-93AF-4DB8-9C6B-D6C7DFDC589F}" vid="{4A3C46E8-61CC-4603-A589-7422A47A8E4A}"/>
+      <thm15:themeFamily xmlns="" xmlns:thm15="http://schemas.microsoft.com/office/thememl/2012/main" name="Office Theme" id="{62F939B6-93AF-4DB8-9C6B-D6C7DFDC589F}" vid="{4A3C46E8-61CC-4603-A589-7422A47A8E4A}"/>
     </a:ext>
   </a:extLst>
 </a:theme>
